--- a/docs/PRESENTATION.pptx
+++ b/docs/PRESENTATION.pptx
@@ -262,6 +262,11 @@
       </a:defRPr>
     </a:lvl9pPr>
   </p:defaultTextStyle>
+  <p:extLst>
+    <p:ext uri="{EFAFB233-063F-42B5-8137-9DF3F51BA10A}">
+      <p15:sldGuideLst xmlns:p15="http://schemas.microsoft.com/office/powerpoint/2012/main"/>
+    </p:ext>
+  </p:extLst>
 </p:presentation>
 </file>
 
@@ -7130,7 +7135,36 @@
               <a:rPr lang="en-US" dirty="0"/>
               <a:t>The dataset was cleaned, and relevant features were engineered to improve model performance. The dataset was then split into training and testing sets.</a:t>
             </a:r>
-            <a:endParaRPr dirty="0"/>
+          </a:p>
+          <a:p>
+            <a:pPr marL="0" lvl="0" indent="0" algn="l" rtl="0">
+              <a:spcBef>
+                <a:spcPts val="0"/>
+              </a:spcBef>
+              <a:spcAft>
+                <a:spcPts val="0"/>
+              </a:spcAft>
+              <a:buNone/>
+            </a:pPr>
+            <a:endParaRPr lang="en-US" dirty="0"/>
+          </a:p>
+          <a:p>
+            <a:pPr marL="0" lvl="0" indent="0" algn="l" rtl="0">
+              <a:spcBef>
+                <a:spcPts val="0"/>
+              </a:spcBef>
+              <a:spcAft>
+                <a:spcPts val="0"/>
+              </a:spcAft>
+              <a:buNone/>
+            </a:pPr>
+            <a:r>
+              <a:rPr lang="en-US" u="sng" dirty="0">
+                <a:hlinkClick r:id="rId3"/>
+              </a:rPr>
+              <a:t>Dataset</a:t>
+            </a:r>
+            <a:endParaRPr u="sng" dirty="0"/>
           </a:p>
         </p:txBody>
       </p:sp>
